--- a/워크플로우 및 게임 기획서.pptx
+++ b/워크플로우 및 게임 기획서.pptx
@@ -267,7 +267,7 @@
           <a:p>
             <a:fld id="{F5CA2F27-1B3B-4D91-A922-C5DA17D8FD46}" type="datetimeFigureOut">
               <a:rPr lang="ko-KR" altLang="en-US" smtClean="0"/>
-              <a:t>2018-01-29</a:t>
+              <a:t>2018-01-30</a:t>
             </a:fld>
             <a:endParaRPr lang="ko-KR" altLang="en-US"/>
           </a:p>
@@ -465,7 +465,7 @@
           <a:p>
             <a:fld id="{F5CA2F27-1B3B-4D91-A922-C5DA17D8FD46}" type="datetimeFigureOut">
               <a:rPr lang="ko-KR" altLang="en-US" smtClean="0"/>
-              <a:t>2018-01-29</a:t>
+              <a:t>2018-01-30</a:t>
             </a:fld>
             <a:endParaRPr lang="ko-KR" altLang="en-US"/>
           </a:p>
@@ -673,7 +673,7 @@
           <a:p>
             <a:fld id="{F5CA2F27-1B3B-4D91-A922-C5DA17D8FD46}" type="datetimeFigureOut">
               <a:rPr lang="ko-KR" altLang="en-US" smtClean="0"/>
-              <a:t>2018-01-29</a:t>
+              <a:t>2018-01-30</a:t>
             </a:fld>
             <a:endParaRPr lang="ko-KR" altLang="en-US"/>
           </a:p>
@@ -871,7 +871,7 @@
           <a:p>
             <a:fld id="{F5CA2F27-1B3B-4D91-A922-C5DA17D8FD46}" type="datetimeFigureOut">
               <a:rPr lang="ko-KR" altLang="en-US" smtClean="0"/>
-              <a:t>2018-01-29</a:t>
+              <a:t>2018-01-30</a:t>
             </a:fld>
             <a:endParaRPr lang="ko-KR" altLang="en-US"/>
           </a:p>
@@ -1146,7 +1146,7 @@
           <a:p>
             <a:fld id="{F5CA2F27-1B3B-4D91-A922-C5DA17D8FD46}" type="datetimeFigureOut">
               <a:rPr lang="ko-KR" altLang="en-US" smtClean="0"/>
-              <a:t>2018-01-29</a:t>
+              <a:t>2018-01-30</a:t>
             </a:fld>
             <a:endParaRPr lang="ko-KR" altLang="en-US"/>
           </a:p>
@@ -1411,7 +1411,7 @@
           <a:p>
             <a:fld id="{F5CA2F27-1B3B-4D91-A922-C5DA17D8FD46}" type="datetimeFigureOut">
               <a:rPr lang="ko-KR" altLang="en-US" smtClean="0"/>
-              <a:t>2018-01-29</a:t>
+              <a:t>2018-01-30</a:t>
             </a:fld>
             <a:endParaRPr lang="ko-KR" altLang="en-US"/>
           </a:p>
@@ -1823,7 +1823,7 @@
           <a:p>
             <a:fld id="{F5CA2F27-1B3B-4D91-A922-C5DA17D8FD46}" type="datetimeFigureOut">
               <a:rPr lang="ko-KR" altLang="en-US" smtClean="0"/>
-              <a:t>2018-01-29</a:t>
+              <a:t>2018-01-30</a:t>
             </a:fld>
             <a:endParaRPr lang="ko-KR" altLang="en-US"/>
           </a:p>
@@ -1964,7 +1964,7 @@
           <a:p>
             <a:fld id="{F5CA2F27-1B3B-4D91-A922-C5DA17D8FD46}" type="datetimeFigureOut">
               <a:rPr lang="ko-KR" altLang="en-US" smtClean="0"/>
-              <a:t>2018-01-29</a:t>
+              <a:t>2018-01-30</a:t>
             </a:fld>
             <a:endParaRPr lang="ko-KR" altLang="en-US"/>
           </a:p>
@@ -2077,7 +2077,7 @@
           <a:p>
             <a:fld id="{F5CA2F27-1B3B-4D91-A922-C5DA17D8FD46}" type="datetimeFigureOut">
               <a:rPr lang="ko-KR" altLang="en-US" smtClean="0"/>
-              <a:t>2018-01-29</a:t>
+              <a:t>2018-01-30</a:t>
             </a:fld>
             <a:endParaRPr lang="ko-KR" altLang="en-US"/>
           </a:p>
@@ -2388,7 +2388,7 @@
           <a:p>
             <a:fld id="{F5CA2F27-1B3B-4D91-A922-C5DA17D8FD46}" type="datetimeFigureOut">
               <a:rPr lang="ko-KR" altLang="en-US" smtClean="0"/>
-              <a:t>2018-01-29</a:t>
+              <a:t>2018-01-30</a:t>
             </a:fld>
             <a:endParaRPr lang="ko-KR" altLang="en-US"/>
           </a:p>
@@ -2676,7 +2676,7 @@
           <a:p>
             <a:fld id="{F5CA2F27-1B3B-4D91-A922-C5DA17D8FD46}" type="datetimeFigureOut">
               <a:rPr lang="ko-KR" altLang="en-US" smtClean="0"/>
-              <a:t>2018-01-29</a:t>
+              <a:t>2018-01-30</a:t>
             </a:fld>
             <a:endParaRPr lang="ko-KR" altLang="en-US"/>
           </a:p>
@@ -2917,7 +2917,7 @@
           <a:p>
             <a:fld id="{F5CA2F27-1B3B-4D91-A922-C5DA17D8FD46}" type="datetimeFigureOut">
               <a:rPr lang="ko-KR" altLang="en-US" smtClean="0"/>
-              <a:t>2018-01-29</a:t>
+              <a:t>2018-01-30</a:t>
             </a:fld>
             <a:endParaRPr lang="ko-KR" altLang="en-US"/>
           </a:p>
@@ -3348,7 +3348,7 @@
         </p:nvSpPr>
         <p:spPr>
           <a:xfrm>
-            <a:off x="4901966" y="453004"/>
+            <a:off x="4901965" y="254114"/>
             <a:ext cx="1778466" cy="520118"/>
           </a:xfrm>
           <a:prstGeom prst="rect">
@@ -3412,7 +3412,7 @@
         </p:nvSpPr>
         <p:spPr>
           <a:xfrm>
-            <a:off x="4701329" y="1590411"/>
+            <a:off x="4701328" y="1276173"/>
             <a:ext cx="2179740" cy="520118"/>
           </a:xfrm>
           <a:prstGeom prst="rect">
@@ -3497,7 +3497,7 @@
         </p:nvSpPr>
         <p:spPr>
           <a:xfrm>
-            <a:off x="4286773" y="2926708"/>
+            <a:off x="4286773" y="2298232"/>
             <a:ext cx="3008852" cy="838899"/>
           </a:xfrm>
           <a:prstGeom prst="rect">
@@ -3614,7 +3614,7 @@
         </p:nvSpPr>
         <p:spPr>
           <a:xfrm>
-            <a:off x="4286773" y="4439174"/>
+            <a:off x="4286772" y="3639072"/>
             <a:ext cx="3008852" cy="738232"/>
           </a:xfrm>
           <a:prstGeom prst="rect">
@@ -3678,7 +3678,7 @@
         </p:nvSpPr>
         <p:spPr>
           <a:xfrm>
-            <a:off x="4370313" y="5679347"/>
+            <a:off x="4370312" y="4879245"/>
             <a:ext cx="2841771" cy="1109444"/>
           </a:xfrm>
           <a:prstGeom prst="rect">
@@ -3875,6 +3875,45 @@
           </a:p>
         </p:txBody>
       </p:sp>
+      <p:sp>
+        <p:nvSpPr>
+          <p:cNvPr id="2" name="TextBox 1">
+            <a:extLst>
+              <a:ext uri="{FF2B5EF4-FFF2-40B4-BE49-F238E27FC236}">
+                <a16:creationId xmlns:a16="http://schemas.microsoft.com/office/drawing/2014/main" id="{2CF82A6E-4F59-409A-922F-7DA4F94FED1D}"/>
+              </a:ext>
+            </a:extLst>
+          </p:cNvPr>
+          <p:cNvSpPr txBox="1"/>
+          <p:nvPr/>
+        </p:nvSpPr>
+        <p:spPr>
+          <a:xfrm>
+            <a:off x="785768" y="2096551"/>
+            <a:ext cx="10620463" cy="646331"/>
+          </a:xfrm>
+          <a:prstGeom prst="rect">
+            <a:avLst/>
+          </a:prstGeom>
+          <a:noFill/>
+        </p:spPr>
+        <p:txBody>
+          <a:bodyPr wrap="square" rtlCol="0">
+            <a:spAutoFit/>
+          </a:bodyPr>
+          <a:lstStyle/>
+          <a:p>
+            <a:r>
+              <a:rPr lang="ko-KR" altLang="en-US" dirty="0"/>
+              <a:t>줄거리</a:t>
+            </a:r>
+            <a:endParaRPr lang="en-US" altLang="ko-KR" dirty="0"/>
+          </a:p>
+          <a:p>
+            <a:endParaRPr lang="ko-KR" altLang="en-US" dirty="0"/>
+          </a:p>
+        </p:txBody>
+      </p:sp>
     </p:spTree>
     <p:extLst>
       <p:ext uri="{BB962C8B-B14F-4D97-AF65-F5344CB8AC3E}">
@@ -3919,7 +3958,7 @@
         </p:nvSpPr>
         <p:spPr>
           <a:xfrm>
-            <a:off x="4286772" y="1680594"/>
+            <a:off x="4591573" y="455802"/>
             <a:ext cx="3008852" cy="838899"/>
           </a:xfrm>
           <a:prstGeom prst="rect">
@@ -4022,6 +4061,45 @@
           </a:p>
         </p:txBody>
       </p:sp>
+      <p:sp>
+        <p:nvSpPr>
+          <p:cNvPr id="3" name="TextBox 2">
+            <a:extLst>
+              <a:ext uri="{FF2B5EF4-FFF2-40B4-BE49-F238E27FC236}">
+                <a16:creationId xmlns:a16="http://schemas.microsoft.com/office/drawing/2014/main" id="{7E9AFD3C-92A5-4B77-BEE9-B5BB2230931C}"/>
+              </a:ext>
+            </a:extLst>
+          </p:cNvPr>
+          <p:cNvSpPr txBox="1"/>
+          <p:nvPr/>
+        </p:nvSpPr>
+        <p:spPr>
+          <a:xfrm>
+            <a:off x="785767" y="1526099"/>
+            <a:ext cx="10620463" cy="646331"/>
+          </a:xfrm>
+          <a:prstGeom prst="rect">
+            <a:avLst/>
+          </a:prstGeom>
+          <a:noFill/>
+        </p:spPr>
+        <p:txBody>
+          <a:bodyPr wrap="square" rtlCol="0">
+            <a:spAutoFit/>
+          </a:bodyPr>
+          <a:lstStyle/>
+          <a:p>
+            <a:r>
+              <a:rPr lang="ko-KR" altLang="en-US" dirty="0"/>
+              <a:t>튜토리얼</a:t>
+            </a:r>
+            <a:endParaRPr lang="en-US" altLang="ko-KR" dirty="0"/>
+          </a:p>
+          <a:p>
+            <a:endParaRPr lang="ko-KR" altLang="en-US" dirty="0"/>
+          </a:p>
+        </p:txBody>
+      </p:sp>
     </p:spTree>
     <p:extLst>
       <p:ext uri="{BB962C8B-B14F-4D97-AF65-F5344CB8AC3E}">
@@ -4066,7 +4144,7 @@
         </p:nvSpPr>
         <p:spPr>
           <a:xfrm>
-            <a:off x="4286772" y="1377192"/>
+            <a:off x="4387440" y="454404"/>
             <a:ext cx="3008852" cy="738232"/>
           </a:xfrm>
           <a:prstGeom prst="rect">
@@ -4116,6 +4194,45 @@
           </a:p>
         </p:txBody>
       </p:sp>
+      <p:sp>
+        <p:nvSpPr>
+          <p:cNvPr id="3" name="TextBox 2">
+            <a:extLst>
+              <a:ext uri="{FF2B5EF4-FFF2-40B4-BE49-F238E27FC236}">
+                <a16:creationId xmlns:a16="http://schemas.microsoft.com/office/drawing/2014/main" id="{141E7663-9637-473A-97FC-EC97D10D79BA}"/>
+              </a:ext>
+            </a:extLst>
+          </p:cNvPr>
+          <p:cNvSpPr txBox="1"/>
+          <p:nvPr/>
+        </p:nvSpPr>
+        <p:spPr>
+          <a:xfrm>
+            <a:off x="785768" y="1727435"/>
+            <a:ext cx="10620463" cy="646331"/>
+          </a:xfrm>
+          <a:prstGeom prst="rect">
+            <a:avLst/>
+          </a:prstGeom>
+          <a:noFill/>
+        </p:spPr>
+        <p:txBody>
+          <a:bodyPr wrap="square" rtlCol="0">
+            <a:spAutoFit/>
+          </a:bodyPr>
+          <a:lstStyle/>
+          <a:p>
+            <a:r>
+              <a:rPr lang="ko-KR" altLang="en-US" dirty="0"/>
+              <a:t>메인 스토리</a:t>
+            </a:r>
+            <a:endParaRPr lang="en-US" altLang="ko-KR" dirty="0"/>
+          </a:p>
+          <a:p>
+            <a:endParaRPr lang="ko-KR" altLang="en-US" dirty="0"/>
+          </a:p>
+        </p:txBody>
+      </p:sp>
     </p:spTree>
     <p:extLst>
       <p:ext uri="{BB962C8B-B14F-4D97-AF65-F5344CB8AC3E}">
@@ -4160,7 +4277,7 @@
         </p:nvSpPr>
         <p:spPr>
           <a:xfrm>
-            <a:off x="4675114" y="964734"/>
+            <a:off x="4675114" y="444616"/>
             <a:ext cx="2841771" cy="1109444"/>
           </a:xfrm>
           <a:prstGeom prst="rect">
@@ -4239,6 +4356,48 @@
                 <a:schemeClr val="tx1"/>
               </a:solidFill>
             </a:endParaRPr>
+          </a:p>
+        </p:txBody>
+      </p:sp>
+      <p:sp>
+        <p:nvSpPr>
+          <p:cNvPr id="3" name="TextBox 2">
+            <a:extLst>
+              <a:ext uri="{FF2B5EF4-FFF2-40B4-BE49-F238E27FC236}">
+                <a16:creationId xmlns:a16="http://schemas.microsoft.com/office/drawing/2014/main" id="{466E344E-DC55-4644-8DC7-D88F52FF55EE}"/>
+              </a:ext>
+            </a:extLst>
+          </p:cNvPr>
+          <p:cNvSpPr txBox="1"/>
+          <p:nvPr/>
+        </p:nvSpPr>
+        <p:spPr>
+          <a:xfrm>
+            <a:off x="785767" y="1928771"/>
+            <a:ext cx="10620463" cy="923330"/>
+          </a:xfrm>
+          <a:prstGeom prst="rect">
+            <a:avLst/>
+          </a:prstGeom>
+          <a:noFill/>
+        </p:spPr>
+        <p:txBody>
+          <a:bodyPr wrap="square" rtlCol="0">
+            <a:spAutoFit/>
+          </a:bodyPr>
+          <a:lstStyle/>
+          <a:p>
+            <a:r>
+              <a:rPr lang="ko-KR" altLang="en-US" dirty="0"/>
+              <a:t>엔딩</a:t>
+            </a:r>
+            <a:endParaRPr lang="en-US" altLang="ko-KR" dirty="0"/>
+          </a:p>
+          <a:p>
+            <a:endParaRPr lang="en-US" altLang="ko-KR" dirty="0"/>
+          </a:p>
+          <a:p>
+            <a:endParaRPr lang="ko-KR" altLang="en-US" dirty="0"/>
           </a:p>
         </p:txBody>
       </p:sp>

--- a/워크플로우 및 게임 기획서.pptx
+++ b/워크플로우 및 게임 기획서.pptx
@@ -10,6 +10,11 @@
     <p:sldId id="258" r:id="rId4"/>
     <p:sldId id="259" r:id="rId5"/>
     <p:sldId id="260" r:id="rId6"/>
+    <p:sldId id="261" r:id="rId7"/>
+    <p:sldId id="262" r:id="rId8"/>
+    <p:sldId id="263" r:id="rId9"/>
+    <p:sldId id="264" r:id="rId10"/>
+    <p:sldId id="265" r:id="rId11"/>
   </p:sldIdLst>
   <p:sldSz cx="12192000" cy="6858000"/>
   <p:notesSz cx="6858000" cy="9144000"/>
@@ -267,7 +272,7 @@
           <a:p>
             <a:fld id="{F5CA2F27-1B3B-4D91-A922-C5DA17D8FD46}" type="datetimeFigureOut">
               <a:rPr lang="ko-KR" altLang="en-US" smtClean="0"/>
-              <a:t>2018-01-29</a:t>
+              <a:t>2018-01-30</a:t>
             </a:fld>
             <a:endParaRPr lang="ko-KR" altLang="en-US"/>
           </a:p>
@@ -465,7 +470,7 @@
           <a:p>
             <a:fld id="{F5CA2F27-1B3B-4D91-A922-C5DA17D8FD46}" type="datetimeFigureOut">
               <a:rPr lang="ko-KR" altLang="en-US" smtClean="0"/>
-              <a:t>2018-01-29</a:t>
+              <a:t>2018-01-30</a:t>
             </a:fld>
             <a:endParaRPr lang="ko-KR" altLang="en-US"/>
           </a:p>
@@ -673,7 +678,7 @@
           <a:p>
             <a:fld id="{F5CA2F27-1B3B-4D91-A922-C5DA17D8FD46}" type="datetimeFigureOut">
               <a:rPr lang="ko-KR" altLang="en-US" smtClean="0"/>
-              <a:t>2018-01-29</a:t>
+              <a:t>2018-01-30</a:t>
             </a:fld>
             <a:endParaRPr lang="ko-KR" altLang="en-US"/>
           </a:p>
@@ -871,7 +876,7 @@
           <a:p>
             <a:fld id="{F5CA2F27-1B3B-4D91-A922-C5DA17D8FD46}" type="datetimeFigureOut">
               <a:rPr lang="ko-KR" altLang="en-US" smtClean="0"/>
-              <a:t>2018-01-29</a:t>
+              <a:t>2018-01-30</a:t>
             </a:fld>
             <a:endParaRPr lang="ko-KR" altLang="en-US"/>
           </a:p>
@@ -1146,7 +1151,7 @@
           <a:p>
             <a:fld id="{F5CA2F27-1B3B-4D91-A922-C5DA17D8FD46}" type="datetimeFigureOut">
               <a:rPr lang="ko-KR" altLang="en-US" smtClean="0"/>
-              <a:t>2018-01-29</a:t>
+              <a:t>2018-01-30</a:t>
             </a:fld>
             <a:endParaRPr lang="ko-KR" altLang="en-US"/>
           </a:p>
@@ -1411,7 +1416,7 @@
           <a:p>
             <a:fld id="{F5CA2F27-1B3B-4D91-A922-C5DA17D8FD46}" type="datetimeFigureOut">
               <a:rPr lang="ko-KR" altLang="en-US" smtClean="0"/>
-              <a:t>2018-01-29</a:t>
+              <a:t>2018-01-30</a:t>
             </a:fld>
             <a:endParaRPr lang="ko-KR" altLang="en-US"/>
           </a:p>
@@ -1823,7 +1828,7 @@
           <a:p>
             <a:fld id="{F5CA2F27-1B3B-4D91-A922-C5DA17D8FD46}" type="datetimeFigureOut">
               <a:rPr lang="ko-KR" altLang="en-US" smtClean="0"/>
-              <a:t>2018-01-29</a:t>
+              <a:t>2018-01-30</a:t>
             </a:fld>
             <a:endParaRPr lang="ko-KR" altLang="en-US"/>
           </a:p>
@@ -1964,7 +1969,7 @@
           <a:p>
             <a:fld id="{F5CA2F27-1B3B-4D91-A922-C5DA17D8FD46}" type="datetimeFigureOut">
               <a:rPr lang="ko-KR" altLang="en-US" smtClean="0"/>
-              <a:t>2018-01-29</a:t>
+              <a:t>2018-01-30</a:t>
             </a:fld>
             <a:endParaRPr lang="ko-KR" altLang="en-US"/>
           </a:p>
@@ -2077,7 +2082,7 @@
           <a:p>
             <a:fld id="{F5CA2F27-1B3B-4D91-A922-C5DA17D8FD46}" type="datetimeFigureOut">
               <a:rPr lang="ko-KR" altLang="en-US" smtClean="0"/>
-              <a:t>2018-01-29</a:t>
+              <a:t>2018-01-30</a:t>
             </a:fld>
             <a:endParaRPr lang="ko-KR" altLang="en-US"/>
           </a:p>
@@ -2388,7 +2393,7 @@
           <a:p>
             <a:fld id="{F5CA2F27-1B3B-4D91-A922-C5DA17D8FD46}" type="datetimeFigureOut">
               <a:rPr lang="ko-KR" altLang="en-US" smtClean="0"/>
-              <a:t>2018-01-29</a:t>
+              <a:t>2018-01-30</a:t>
             </a:fld>
             <a:endParaRPr lang="ko-KR" altLang="en-US"/>
           </a:p>
@@ -2676,7 +2681,7 @@
           <a:p>
             <a:fld id="{F5CA2F27-1B3B-4D91-A922-C5DA17D8FD46}" type="datetimeFigureOut">
               <a:rPr lang="ko-KR" altLang="en-US" smtClean="0"/>
-              <a:t>2018-01-29</a:t>
+              <a:t>2018-01-30</a:t>
             </a:fld>
             <a:endParaRPr lang="ko-KR" altLang="en-US"/>
           </a:p>
@@ -2917,7 +2922,7 @@
           <a:p>
             <a:fld id="{F5CA2F27-1B3B-4D91-A922-C5DA17D8FD46}" type="datetimeFigureOut">
               <a:rPr lang="ko-KR" altLang="en-US" smtClean="0"/>
-              <a:t>2018-01-29</a:t>
+              <a:t>2018-01-30</a:t>
             </a:fld>
             <a:endParaRPr lang="ko-KR" altLang="en-US"/>
           </a:p>
@@ -3773,6 +3778,188 @@
 </p:sld>
 </file>
 
+<file path=ppt/slides/slide10.xml><?xml version="1.0" encoding="utf-8"?>
+<p:sld xmlns:a="http://schemas.openxmlformats.org/drawingml/2006/main" xmlns:r="http://schemas.openxmlformats.org/officeDocument/2006/relationships" xmlns:p="http://schemas.openxmlformats.org/presentationml/2006/main">
+  <p:cSld>
+    <p:spTree>
+      <p:nvGrpSpPr>
+        <p:cNvPr id="1" name=""/>
+        <p:cNvGrpSpPr/>
+        <p:nvPr/>
+      </p:nvGrpSpPr>
+      <p:grpSpPr>
+        <a:xfrm>
+          <a:off x="0" y="0"/>
+          <a:ext cx="0" cy="0"/>
+          <a:chOff x="0" y="0"/>
+          <a:chExt cx="0" cy="0"/>
+        </a:xfrm>
+      </p:grpSpPr>
+      <p:sp>
+        <p:nvSpPr>
+          <p:cNvPr id="8" name="직사각형 7">
+            <a:extLst>
+              <a:ext uri="{FF2B5EF4-FFF2-40B4-BE49-F238E27FC236}">
+                <a16:creationId xmlns:a16="http://schemas.microsoft.com/office/drawing/2014/main" id="{8651A7A4-C62F-4CDB-BAD6-37654A7472A1}"/>
+              </a:ext>
+            </a:extLst>
+          </p:cNvPr>
+          <p:cNvSpPr/>
+          <p:nvPr/>
+        </p:nvSpPr>
+        <p:spPr>
+          <a:xfrm>
+            <a:off x="4675114" y="402672"/>
+            <a:ext cx="2841771" cy="1109444"/>
+          </a:xfrm>
+          <a:prstGeom prst="rect">
+            <a:avLst/>
+          </a:prstGeom>
+          <a:solidFill>
+            <a:schemeClr val="accent2">
+              <a:lumMod val="20000"/>
+              <a:lumOff val="80000"/>
+            </a:schemeClr>
+          </a:solidFill>
+          <a:ln>
+            <a:solidFill>
+              <a:schemeClr val="tx1"/>
+            </a:solidFill>
+          </a:ln>
+        </p:spPr>
+        <p:style>
+          <a:lnRef idx="2">
+            <a:schemeClr val="accent1">
+              <a:shade val="50000"/>
+            </a:schemeClr>
+          </a:lnRef>
+          <a:fillRef idx="1">
+            <a:schemeClr val="accent1"/>
+          </a:fillRef>
+          <a:effectRef idx="0">
+            <a:schemeClr val="accent1"/>
+          </a:effectRef>
+          <a:fontRef idx="minor">
+            <a:schemeClr val="lt1"/>
+          </a:fontRef>
+        </p:style>
+        <p:txBody>
+          <a:bodyPr rtlCol="0" anchor="ctr"/>
+          <a:lstStyle/>
+          <a:p>
+            <a:pPr algn="ctr"/>
+            <a:r>
+              <a:rPr lang="ko-KR" altLang="en-US" sz="2800" dirty="0">
+                <a:solidFill>
+                  <a:schemeClr val="tx1"/>
+                </a:solidFill>
+              </a:rPr>
+              <a:t>캐릭터 컨셉</a:t>
+            </a:r>
+          </a:p>
+        </p:txBody>
+      </p:sp>
+      <p:sp>
+        <p:nvSpPr>
+          <p:cNvPr id="2" name="TextBox 1">
+            <a:extLst>
+              <a:ext uri="{FF2B5EF4-FFF2-40B4-BE49-F238E27FC236}">
+                <a16:creationId xmlns:a16="http://schemas.microsoft.com/office/drawing/2014/main" id="{C144DCA1-9009-432A-A5DD-7FC7770943D3}"/>
+              </a:ext>
+            </a:extLst>
+          </p:cNvPr>
+          <p:cNvSpPr txBox="1"/>
+          <p:nvPr/>
+        </p:nvSpPr>
+        <p:spPr>
+          <a:xfrm>
+            <a:off x="2525086" y="1929468"/>
+            <a:ext cx="8338657" cy="1200329"/>
+          </a:xfrm>
+          <a:prstGeom prst="rect">
+            <a:avLst/>
+          </a:prstGeom>
+          <a:noFill/>
+        </p:spPr>
+        <p:txBody>
+          <a:bodyPr wrap="square" rtlCol="0">
+            <a:spAutoFit/>
+          </a:bodyPr>
+          <a:lstStyle/>
+          <a:p>
+            <a:r>
+              <a:rPr lang="ko-KR" altLang="en-US" dirty="0"/>
+              <a:t>이름 </a:t>
+            </a:r>
+            <a:r>
+              <a:rPr lang="en-US" altLang="ko-KR" dirty="0"/>
+              <a:t>: </a:t>
+            </a:r>
+            <a:r>
+              <a:rPr lang="ko-KR" altLang="en-US" dirty="0"/>
+              <a:t>장미</a:t>
+            </a:r>
+            <a:endParaRPr lang="en-US" altLang="ko-KR" dirty="0"/>
+          </a:p>
+          <a:p>
+            <a:r>
+              <a:rPr lang="ko-KR" altLang="en-US" dirty="0"/>
+              <a:t>성격 </a:t>
+            </a:r>
+            <a:r>
+              <a:rPr lang="en-US" altLang="ko-KR" dirty="0"/>
+              <a:t>: </a:t>
+            </a:r>
+            <a:r>
+              <a:rPr lang="ko-KR" altLang="en-US" dirty="0"/>
+              <a:t>질투</a:t>
+            </a:r>
+            <a:endParaRPr lang="en-US" altLang="ko-KR" dirty="0"/>
+          </a:p>
+          <a:p>
+            <a:r>
+              <a:rPr lang="ko-KR" altLang="en-US" dirty="0"/>
+              <a:t>능력 </a:t>
+            </a:r>
+            <a:r>
+              <a:rPr lang="en-US" altLang="ko-KR" dirty="0"/>
+              <a:t>: </a:t>
+            </a:r>
+            <a:r>
+              <a:rPr lang="ko-KR" altLang="en-US" dirty="0"/>
+              <a:t>투명</a:t>
+            </a:r>
+            <a:r>
+              <a:rPr lang="en-US" altLang="ko-KR" dirty="0"/>
+              <a:t>(</a:t>
+            </a:r>
+            <a:r>
+              <a:rPr lang="ko-KR" altLang="en-US" dirty="0"/>
+              <a:t>회피</a:t>
+            </a:r>
+            <a:r>
+              <a:rPr lang="en-US" altLang="ko-KR" dirty="0"/>
+              <a:t>)</a:t>
+            </a:r>
+          </a:p>
+          <a:p>
+            <a:endParaRPr lang="ko-KR" altLang="en-US" dirty="0"/>
+          </a:p>
+        </p:txBody>
+      </p:sp>
+    </p:spTree>
+    <p:extLst>
+      <p:ext uri="{BB962C8B-B14F-4D97-AF65-F5344CB8AC3E}">
+        <p14:creationId xmlns:p14="http://schemas.microsoft.com/office/powerpoint/2010/main" val="227585381"/>
+      </p:ext>
+    </p:extLst>
+  </p:cSld>
+  <p:clrMapOvr>
+    <a:masterClrMapping/>
+  </p:clrMapOvr>
+</p:sld>
+</file>
+
 <file path=ppt/slides/slide2.xml><?xml version="1.0" encoding="utf-8"?>
 <p:sld xmlns:a="http://schemas.openxmlformats.org/drawingml/2006/main" xmlns:r="http://schemas.openxmlformats.org/officeDocument/2006/relationships" xmlns:p="http://schemas.openxmlformats.org/presentationml/2006/main">
   <p:cSld>
@@ -4246,6 +4433,720 @@
     <p:extLst>
       <p:ext uri="{BB962C8B-B14F-4D97-AF65-F5344CB8AC3E}">
         <p14:creationId xmlns:p14="http://schemas.microsoft.com/office/powerpoint/2010/main" val="3464288117"/>
+      </p:ext>
+    </p:extLst>
+  </p:cSld>
+  <p:clrMapOvr>
+    <a:masterClrMapping/>
+  </p:clrMapOvr>
+</p:sld>
+</file>
+
+<file path=ppt/slides/slide6.xml><?xml version="1.0" encoding="utf-8"?>
+<p:sld xmlns:a="http://schemas.openxmlformats.org/drawingml/2006/main" xmlns:r="http://schemas.openxmlformats.org/officeDocument/2006/relationships" xmlns:p="http://schemas.openxmlformats.org/presentationml/2006/main">
+  <p:cSld>
+    <p:spTree>
+      <p:nvGrpSpPr>
+        <p:cNvPr id="1" name=""/>
+        <p:cNvGrpSpPr/>
+        <p:nvPr/>
+      </p:nvGrpSpPr>
+      <p:grpSpPr>
+        <a:xfrm>
+          <a:off x="0" y="0"/>
+          <a:ext cx="0" cy="0"/>
+          <a:chOff x="0" y="0"/>
+          <a:chExt cx="0" cy="0"/>
+        </a:xfrm>
+      </p:grpSpPr>
+      <p:sp>
+        <p:nvSpPr>
+          <p:cNvPr id="8" name="직사각형 7">
+            <a:extLst>
+              <a:ext uri="{FF2B5EF4-FFF2-40B4-BE49-F238E27FC236}">
+                <a16:creationId xmlns:a16="http://schemas.microsoft.com/office/drawing/2014/main" id="{8651A7A4-C62F-4CDB-BAD6-37654A7472A1}"/>
+              </a:ext>
+            </a:extLst>
+          </p:cNvPr>
+          <p:cNvSpPr/>
+          <p:nvPr/>
+        </p:nvSpPr>
+        <p:spPr>
+          <a:xfrm>
+            <a:off x="4675114" y="402672"/>
+            <a:ext cx="2841771" cy="1109444"/>
+          </a:xfrm>
+          <a:prstGeom prst="rect">
+            <a:avLst/>
+          </a:prstGeom>
+          <a:solidFill>
+            <a:schemeClr val="accent2">
+              <a:lumMod val="20000"/>
+              <a:lumOff val="80000"/>
+            </a:schemeClr>
+          </a:solidFill>
+          <a:ln>
+            <a:solidFill>
+              <a:schemeClr val="tx1"/>
+            </a:solidFill>
+          </a:ln>
+        </p:spPr>
+        <p:style>
+          <a:lnRef idx="2">
+            <a:schemeClr val="accent1">
+              <a:shade val="50000"/>
+            </a:schemeClr>
+          </a:lnRef>
+          <a:fillRef idx="1">
+            <a:schemeClr val="accent1"/>
+          </a:fillRef>
+          <a:effectRef idx="0">
+            <a:schemeClr val="accent1"/>
+          </a:effectRef>
+          <a:fontRef idx="minor">
+            <a:schemeClr val="lt1"/>
+          </a:fontRef>
+        </p:style>
+        <p:txBody>
+          <a:bodyPr rtlCol="0" anchor="ctr"/>
+          <a:lstStyle/>
+          <a:p>
+            <a:pPr algn="ctr"/>
+            <a:r>
+              <a:rPr lang="ko-KR" altLang="en-US" sz="2800" dirty="0">
+                <a:solidFill>
+                  <a:schemeClr val="tx1"/>
+                </a:solidFill>
+              </a:rPr>
+              <a:t>캐릭터 컨셉</a:t>
+            </a:r>
+          </a:p>
+        </p:txBody>
+      </p:sp>
+      <p:sp>
+        <p:nvSpPr>
+          <p:cNvPr id="2" name="TextBox 1">
+            <a:extLst>
+              <a:ext uri="{FF2B5EF4-FFF2-40B4-BE49-F238E27FC236}">
+                <a16:creationId xmlns:a16="http://schemas.microsoft.com/office/drawing/2014/main" id="{C144DCA1-9009-432A-A5DD-7FC7770943D3}"/>
+              </a:ext>
+            </a:extLst>
+          </p:cNvPr>
+          <p:cNvSpPr txBox="1"/>
+          <p:nvPr/>
+        </p:nvSpPr>
+        <p:spPr>
+          <a:xfrm>
+            <a:off x="2525086" y="1929468"/>
+            <a:ext cx="8338657" cy="1200329"/>
+          </a:xfrm>
+          <a:prstGeom prst="rect">
+            <a:avLst/>
+          </a:prstGeom>
+          <a:noFill/>
+        </p:spPr>
+        <p:txBody>
+          <a:bodyPr wrap="square" rtlCol="0">
+            <a:spAutoFit/>
+          </a:bodyPr>
+          <a:lstStyle/>
+          <a:p>
+            <a:r>
+              <a:rPr lang="ko-KR" altLang="en-US" dirty="0"/>
+              <a:t>이름 </a:t>
+            </a:r>
+            <a:r>
+              <a:rPr lang="en-US" altLang="ko-KR" dirty="0"/>
+              <a:t>: </a:t>
+            </a:r>
+            <a:r>
+              <a:rPr lang="ko-KR" altLang="en-US" dirty="0"/>
+              <a:t>한란</a:t>
+            </a:r>
+            <a:endParaRPr lang="en-US" altLang="ko-KR" dirty="0"/>
+          </a:p>
+          <a:p>
+            <a:r>
+              <a:rPr lang="ko-KR" altLang="en-US" dirty="0"/>
+              <a:t>성격 </a:t>
+            </a:r>
+            <a:r>
+              <a:rPr lang="en-US" altLang="ko-KR" dirty="0"/>
+              <a:t>: </a:t>
+            </a:r>
+            <a:r>
+              <a:rPr lang="ko-KR" altLang="en-US" dirty="0"/>
+              <a:t>눈웃음</a:t>
+            </a:r>
+            <a:endParaRPr lang="en-US" altLang="ko-KR" dirty="0"/>
+          </a:p>
+          <a:p>
+            <a:r>
+              <a:rPr lang="ko-KR" altLang="en-US" dirty="0"/>
+              <a:t>능력 </a:t>
+            </a:r>
+            <a:r>
+              <a:rPr lang="en-US" altLang="ko-KR" dirty="0"/>
+              <a:t>: </a:t>
+            </a:r>
+            <a:r>
+              <a:rPr lang="ko-KR" altLang="en-US" dirty="0"/>
+              <a:t>정신조작</a:t>
+            </a:r>
+            <a:endParaRPr lang="en-US" altLang="ko-KR" dirty="0"/>
+          </a:p>
+          <a:p>
+            <a:endParaRPr lang="ko-KR" altLang="en-US" dirty="0"/>
+          </a:p>
+        </p:txBody>
+      </p:sp>
+    </p:spTree>
+    <p:extLst>
+      <p:ext uri="{BB962C8B-B14F-4D97-AF65-F5344CB8AC3E}">
+        <p14:creationId xmlns:p14="http://schemas.microsoft.com/office/powerpoint/2010/main" val="3622261200"/>
+      </p:ext>
+    </p:extLst>
+  </p:cSld>
+  <p:clrMapOvr>
+    <a:masterClrMapping/>
+  </p:clrMapOvr>
+</p:sld>
+</file>
+
+<file path=ppt/slides/slide7.xml><?xml version="1.0" encoding="utf-8"?>
+<p:sld xmlns:a="http://schemas.openxmlformats.org/drawingml/2006/main" xmlns:r="http://schemas.openxmlformats.org/officeDocument/2006/relationships" xmlns:p="http://schemas.openxmlformats.org/presentationml/2006/main">
+  <p:cSld>
+    <p:spTree>
+      <p:nvGrpSpPr>
+        <p:cNvPr id="1" name=""/>
+        <p:cNvGrpSpPr/>
+        <p:nvPr/>
+      </p:nvGrpSpPr>
+      <p:grpSpPr>
+        <a:xfrm>
+          <a:off x="0" y="0"/>
+          <a:ext cx="0" cy="0"/>
+          <a:chOff x="0" y="0"/>
+          <a:chExt cx="0" cy="0"/>
+        </a:xfrm>
+      </p:grpSpPr>
+      <p:sp>
+        <p:nvSpPr>
+          <p:cNvPr id="8" name="직사각형 7">
+            <a:extLst>
+              <a:ext uri="{FF2B5EF4-FFF2-40B4-BE49-F238E27FC236}">
+                <a16:creationId xmlns:a16="http://schemas.microsoft.com/office/drawing/2014/main" id="{8651A7A4-C62F-4CDB-BAD6-37654A7472A1}"/>
+              </a:ext>
+            </a:extLst>
+          </p:cNvPr>
+          <p:cNvSpPr/>
+          <p:nvPr/>
+        </p:nvSpPr>
+        <p:spPr>
+          <a:xfrm>
+            <a:off x="4675114" y="402672"/>
+            <a:ext cx="2841771" cy="1109444"/>
+          </a:xfrm>
+          <a:prstGeom prst="rect">
+            <a:avLst/>
+          </a:prstGeom>
+          <a:solidFill>
+            <a:schemeClr val="accent2">
+              <a:lumMod val="20000"/>
+              <a:lumOff val="80000"/>
+            </a:schemeClr>
+          </a:solidFill>
+          <a:ln>
+            <a:solidFill>
+              <a:schemeClr val="tx1"/>
+            </a:solidFill>
+          </a:ln>
+        </p:spPr>
+        <p:style>
+          <a:lnRef idx="2">
+            <a:schemeClr val="accent1">
+              <a:shade val="50000"/>
+            </a:schemeClr>
+          </a:lnRef>
+          <a:fillRef idx="1">
+            <a:schemeClr val="accent1"/>
+          </a:fillRef>
+          <a:effectRef idx="0">
+            <a:schemeClr val="accent1"/>
+          </a:effectRef>
+          <a:fontRef idx="minor">
+            <a:schemeClr val="lt1"/>
+          </a:fontRef>
+        </p:style>
+        <p:txBody>
+          <a:bodyPr rtlCol="0" anchor="ctr"/>
+          <a:lstStyle/>
+          <a:p>
+            <a:pPr algn="ctr"/>
+            <a:r>
+              <a:rPr lang="ko-KR" altLang="en-US" sz="2800" dirty="0">
+                <a:solidFill>
+                  <a:schemeClr val="tx1"/>
+                </a:solidFill>
+              </a:rPr>
+              <a:t>캐릭터 컨셉</a:t>
+            </a:r>
+          </a:p>
+        </p:txBody>
+      </p:sp>
+      <p:sp>
+        <p:nvSpPr>
+          <p:cNvPr id="2" name="TextBox 1">
+            <a:extLst>
+              <a:ext uri="{FF2B5EF4-FFF2-40B4-BE49-F238E27FC236}">
+                <a16:creationId xmlns:a16="http://schemas.microsoft.com/office/drawing/2014/main" id="{C144DCA1-9009-432A-A5DD-7FC7770943D3}"/>
+              </a:ext>
+            </a:extLst>
+          </p:cNvPr>
+          <p:cNvSpPr txBox="1"/>
+          <p:nvPr/>
+        </p:nvSpPr>
+        <p:spPr>
+          <a:xfrm>
+            <a:off x="2525086" y="1929468"/>
+            <a:ext cx="8338657" cy="1200329"/>
+          </a:xfrm>
+          <a:prstGeom prst="rect">
+            <a:avLst/>
+          </a:prstGeom>
+          <a:noFill/>
+        </p:spPr>
+        <p:txBody>
+          <a:bodyPr wrap="square" rtlCol="0">
+            <a:spAutoFit/>
+          </a:bodyPr>
+          <a:lstStyle/>
+          <a:p>
+            <a:r>
+              <a:rPr lang="ko-KR" altLang="en-US" dirty="0"/>
+              <a:t>이름 </a:t>
+            </a:r>
+            <a:r>
+              <a:rPr lang="en-US" altLang="ko-KR" dirty="0"/>
+              <a:t>: </a:t>
+            </a:r>
+            <a:r>
+              <a:rPr lang="ko-KR" altLang="en-US" dirty="0"/>
+              <a:t>아이리스</a:t>
+            </a:r>
+            <a:endParaRPr lang="en-US" altLang="ko-KR" dirty="0"/>
+          </a:p>
+          <a:p>
+            <a:r>
+              <a:rPr lang="ko-KR" altLang="en-US" dirty="0"/>
+              <a:t>성격 </a:t>
+            </a:r>
+            <a:r>
+              <a:rPr lang="en-US" altLang="ko-KR" dirty="0"/>
+              <a:t>: </a:t>
+            </a:r>
+            <a:r>
+              <a:rPr lang="ko-KR" altLang="en-US" dirty="0"/>
+              <a:t>강인함</a:t>
+            </a:r>
+            <a:endParaRPr lang="en-US" altLang="ko-KR" dirty="0"/>
+          </a:p>
+          <a:p>
+            <a:r>
+              <a:rPr lang="ko-KR" altLang="en-US" dirty="0"/>
+              <a:t>능력 </a:t>
+            </a:r>
+            <a:r>
+              <a:rPr lang="en-US" altLang="ko-KR" dirty="0"/>
+              <a:t>: </a:t>
+            </a:r>
+            <a:r>
+              <a:rPr lang="ko-KR" altLang="en-US" dirty="0"/>
+              <a:t>신체강화</a:t>
+            </a:r>
+            <a:r>
+              <a:rPr lang="en-US" altLang="ko-KR" dirty="0"/>
+              <a:t>(</a:t>
+            </a:r>
+            <a:r>
+              <a:rPr lang="ko-KR" altLang="en-US" dirty="0" err="1"/>
+              <a:t>스텟상승</a:t>
+            </a:r>
+            <a:r>
+              <a:rPr lang="en-US" altLang="ko-KR" dirty="0"/>
+              <a:t>)</a:t>
+            </a:r>
+          </a:p>
+          <a:p>
+            <a:endParaRPr lang="ko-KR" altLang="en-US" dirty="0"/>
+          </a:p>
+        </p:txBody>
+      </p:sp>
+    </p:spTree>
+    <p:extLst>
+      <p:ext uri="{BB962C8B-B14F-4D97-AF65-F5344CB8AC3E}">
+        <p14:creationId xmlns:p14="http://schemas.microsoft.com/office/powerpoint/2010/main" val="952388661"/>
+      </p:ext>
+    </p:extLst>
+  </p:cSld>
+  <p:clrMapOvr>
+    <a:masterClrMapping/>
+  </p:clrMapOvr>
+</p:sld>
+</file>
+
+<file path=ppt/slides/slide8.xml><?xml version="1.0" encoding="utf-8"?>
+<p:sld xmlns:a="http://schemas.openxmlformats.org/drawingml/2006/main" xmlns:r="http://schemas.openxmlformats.org/officeDocument/2006/relationships" xmlns:p="http://schemas.openxmlformats.org/presentationml/2006/main">
+  <p:cSld>
+    <p:spTree>
+      <p:nvGrpSpPr>
+        <p:cNvPr id="1" name=""/>
+        <p:cNvGrpSpPr/>
+        <p:nvPr/>
+      </p:nvGrpSpPr>
+      <p:grpSpPr>
+        <a:xfrm>
+          <a:off x="0" y="0"/>
+          <a:ext cx="0" cy="0"/>
+          <a:chOff x="0" y="0"/>
+          <a:chExt cx="0" cy="0"/>
+        </a:xfrm>
+      </p:grpSpPr>
+      <p:sp>
+        <p:nvSpPr>
+          <p:cNvPr id="8" name="직사각형 7">
+            <a:extLst>
+              <a:ext uri="{FF2B5EF4-FFF2-40B4-BE49-F238E27FC236}">
+                <a16:creationId xmlns:a16="http://schemas.microsoft.com/office/drawing/2014/main" id="{8651A7A4-C62F-4CDB-BAD6-37654A7472A1}"/>
+              </a:ext>
+            </a:extLst>
+          </p:cNvPr>
+          <p:cNvSpPr/>
+          <p:nvPr/>
+        </p:nvSpPr>
+        <p:spPr>
+          <a:xfrm>
+            <a:off x="4675114" y="402672"/>
+            <a:ext cx="2841771" cy="1109444"/>
+          </a:xfrm>
+          <a:prstGeom prst="rect">
+            <a:avLst/>
+          </a:prstGeom>
+          <a:solidFill>
+            <a:schemeClr val="accent2">
+              <a:lumMod val="20000"/>
+              <a:lumOff val="80000"/>
+            </a:schemeClr>
+          </a:solidFill>
+          <a:ln>
+            <a:solidFill>
+              <a:schemeClr val="tx1"/>
+            </a:solidFill>
+          </a:ln>
+        </p:spPr>
+        <p:style>
+          <a:lnRef idx="2">
+            <a:schemeClr val="accent1">
+              <a:shade val="50000"/>
+            </a:schemeClr>
+          </a:lnRef>
+          <a:fillRef idx="1">
+            <a:schemeClr val="accent1"/>
+          </a:fillRef>
+          <a:effectRef idx="0">
+            <a:schemeClr val="accent1"/>
+          </a:effectRef>
+          <a:fontRef idx="minor">
+            <a:schemeClr val="lt1"/>
+          </a:fontRef>
+        </p:style>
+        <p:txBody>
+          <a:bodyPr rtlCol="0" anchor="ctr"/>
+          <a:lstStyle/>
+          <a:p>
+            <a:pPr algn="ctr"/>
+            <a:r>
+              <a:rPr lang="ko-KR" altLang="en-US" sz="2800" dirty="0">
+                <a:solidFill>
+                  <a:schemeClr val="tx1"/>
+                </a:solidFill>
+              </a:rPr>
+              <a:t>캐릭터 컨셉</a:t>
+            </a:r>
+          </a:p>
+        </p:txBody>
+      </p:sp>
+      <p:sp>
+        <p:nvSpPr>
+          <p:cNvPr id="2" name="TextBox 1">
+            <a:extLst>
+              <a:ext uri="{FF2B5EF4-FFF2-40B4-BE49-F238E27FC236}">
+                <a16:creationId xmlns:a16="http://schemas.microsoft.com/office/drawing/2014/main" id="{C144DCA1-9009-432A-A5DD-7FC7770943D3}"/>
+              </a:ext>
+            </a:extLst>
+          </p:cNvPr>
+          <p:cNvSpPr txBox="1"/>
+          <p:nvPr/>
+        </p:nvSpPr>
+        <p:spPr>
+          <a:xfrm>
+            <a:off x="2525086" y="1929468"/>
+            <a:ext cx="8338657" cy="1200329"/>
+          </a:xfrm>
+          <a:prstGeom prst="rect">
+            <a:avLst/>
+          </a:prstGeom>
+          <a:noFill/>
+        </p:spPr>
+        <p:txBody>
+          <a:bodyPr wrap="square" rtlCol="0">
+            <a:spAutoFit/>
+          </a:bodyPr>
+          <a:lstStyle/>
+          <a:p>
+            <a:r>
+              <a:rPr lang="ko-KR" altLang="en-US" dirty="0"/>
+              <a:t>이름 </a:t>
+            </a:r>
+            <a:r>
+              <a:rPr lang="en-US" altLang="ko-KR" dirty="0"/>
+              <a:t>: </a:t>
+            </a:r>
+            <a:r>
+              <a:rPr lang="ko-KR" altLang="en-US" dirty="0" err="1"/>
+              <a:t>티보치나</a:t>
+            </a:r>
+            <a:endParaRPr lang="en-US" altLang="ko-KR" dirty="0"/>
+          </a:p>
+          <a:p>
+            <a:r>
+              <a:rPr lang="ko-KR" altLang="en-US" dirty="0"/>
+              <a:t>성격 </a:t>
+            </a:r>
+            <a:r>
+              <a:rPr lang="en-US" altLang="ko-KR" dirty="0"/>
+              <a:t>: </a:t>
+            </a:r>
+            <a:r>
+              <a:rPr lang="ko-KR" altLang="en-US" dirty="0"/>
+              <a:t>귀찮음</a:t>
+            </a:r>
+            <a:endParaRPr lang="en-US" altLang="ko-KR" dirty="0"/>
+          </a:p>
+          <a:p>
+            <a:r>
+              <a:rPr lang="ko-KR" altLang="en-US" dirty="0"/>
+              <a:t>능력 </a:t>
+            </a:r>
+            <a:r>
+              <a:rPr lang="en-US" altLang="ko-KR" dirty="0"/>
+              <a:t>: </a:t>
+            </a:r>
+            <a:r>
+              <a:rPr lang="ko-KR" altLang="en-US" dirty="0"/>
+              <a:t>원소</a:t>
+            </a:r>
+            <a:r>
+              <a:rPr lang="en-US" altLang="ko-KR" dirty="0"/>
+              <a:t>(</a:t>
+            </a:r>
+            <a:r>
+              <a:rPr lang="ko-KR" altLang="en-US" dirty="0"/>
+              <a:t>불</a:t>
+            </a:r>
+            <a:r>
+              <a:rPr lang="en-US" altLang="ko-KR" dirty="0"/>
+              <a:t>, </a:t>
+            </a:r>
+            <a:r>
+              <a:rPr lang="ko-KR" altLang="en-US" dirty="0"/>
+              <a:t>물</a:t>
+            </a:r>
+            <a:r>
+              <a:rPr lang="en-US" altLang="ko-KR" dirty="0"/>
+              <a:t>)</a:t>
+            </a:r>
+          </a:p>
+          <a:p>
+            <a:endParaRPr lang="ko-KR" altLang="en-US" dirty="0"/>
+          </a:p>
+        </p:txBody>
+      </p:sp>
+    </p:spTree>
+    <p:extLst>
+      <p:ext uri="{BB962C8B-B14F-4D97-AF65-F5344CB8AC3E}">
+        <p14:creationId xmlns:p14="http://schemas.microsoft.com/office/powerpoint/2010/main" val="3247134886"/>
+      </p:ext>
+    </p:extLst>
+  </p:cSld>
+  <p:clrMapOvr>
+    <a:masterClrMapping/>
+  </p:clrMapOvr>
+</p:sld>
+</file>
+
+<file path=ppt/slides/slide9.xml><?xml version="1.0" encoding="utf-8"?>
+<p:sld xmlns:a="http://schemas.openxmlformats.org/drawingml/2006/main" xmlns:r="http://schemas.openxmlformats.org/officeDocument/2006/relationships" xmlns:p="http://schemas.openxmlformats.org/presentationml/2006/main">
+  <p:cSld>
+    <p:spTree>
+      <p:nvGrpSpPr>
+        <p:cNvPr id="1" name=""/>
+        <p:cNvGrpSpPr/>
+        <p:nvPr/>
+      </p:nvGrpSpPr>
+      <p:grpSpPr>
+        <a:xfrm>
+          <a:off x="0" y="0"/>
+          <a:ext cx="0" cy="0"/>
+          <a:chOff x="0" y="0"/>
+          <a:chExt cx="0" cy="0"/>
+        </a:xfrm>
+      </p:grpSpPr>
+      <p:sp>
+        <p:nvSpPr>
+          <p:cNvPr id="8" name="직사각형 7">
+            <a:extLst>
+              <a:ext uri="{FF2B5EF4-FFF2-40B4-BE49-F238E27FC236}">
+                <a16:creationId xmlns:a16="http://schemas.microsoft.com/office/drawing/2014/main" id="{8651A7A4-C62F-4CDB-BAD6-37654A7472A1}"/>
+              </a:ext>
+            </a:extLst>
+          </p:cNvPr>
+          <p:cNvSpPr/>
+          <p:nvPr/>
+        </p:nvSpPr>
+        <p:spPr>
+          <a:xfrm>
+            <a:off x="4675114" y="402672"/>
+            <a:ext cx="2841771" cy="1109444"/>
+          </a:xfrm>
+          <a:prstGeom prst="rect">
+            <a:avLst/>
+          </a:prstGeom>
+          <a:solidFill>
+            <a:schemeClr val="accent2">
+              <a:lumMod val="20000"/>
+              <a:lumOff val="80000"/>
+            </a:schemeClr>
+          </a:solidFill>
+          <a:ln>
+            <a:solidFill>
+              <a:schemeClr val="tx1"/>
+            </a:solidFill>
+          </a:ln>
+        </p:spPr>
+        <p:style>
+          <a:lnRef idx="2">
+            <a:schemeClr val="accent1">
+              <a:shade val="50000"/>
+            </a:schemeClr>
+          </a:lnRef>
+          <a:fillRef idx="1">
+            <a:schemeClr val="accent1"/>
+          </a:fillRef>
+          <a:effectRef idx="0">
+            <a:schemeClr val="accent1"/>
+          </a:effectRef>
+          <a:fontRef idx="minor">
+            <a:schemeClr val="lt1"/>
+          </a:fontRef>
+        </p:style>
+        <p:txBody>
+          <a:bodyPr rtlCol="0" anchor="ctr"/>
+          <a:lstStyle/>
+          <a:p>
+            <a:pPr algn="ctr"/>
+            <a:r>
+              <a:rPr lang="ko-KR" altLang="en-US" sz="2800" dirty="0">
+                <a:solidFill>
+                  <a:schemeClr val="tx1"/>
+                </a:solidFill>
+              </a:rPr>
+              <a:t>캐릭터 컨셉</a:t>
+            </a:r>
+          </a:p>
+        </p:txBody>
+      </p:sp>
+      <p:sp>
+        <p:nvSpPr>
+          <p:cNvPr id="2" name="TextBox 1">
+            <a:extLst>
+              <a:ext uri="{FF2B5EF4-FFF2-40B4-BE49-F238E27FC236}">
+                <a16:creationId xmlns:a16="http://schemas.microsoft.com/office/drawing/2014/main" id="{C144DCA1-9009-432A-A5DD-7FC7770943D3}"/>
+              </a:ext>
+            </a:extLst>
+          </p:cNvPr>
+          <p:cNvSpPr txBox="1"/>
+          <p:nvPr/>
+        </p:nvSpPr>
+        <p:spPr>
+          <a:xfrm>
+            <a:off x="2525086" y="1929468"/>
+            <a:ext cx="8338657" cy="1200329"/>
+          </a:xfrm>
+          <a:prstGeom prst="rect">
+            <a:avLst/>
+          </a:prstGeom>
+          <a:noFill/>
+        </p:spPr>
+        <p:txBody>
+          <a:bodyPr wrap="square" rtlCol="0">
+            <a:spAutoFit/>
+          </a:bodyPr>
+          <a:lstStyle/>
+          <a:p>
+            <a:r>
+              <a:rPr lang="ko-KR" altLang="en-US" dirty="0"/>
+              <a:t>이름 </a:t>
+            </a:r>
+            <a:r>
+              <a:rPr lang="en-US" altLang="ko-KR" dirty="0"/>
+              <a:t>: </a:t>
+            </a:r>
+            <a:r>
+              <a:rPr lang="ko-KR" altLang="en-US" dirty="0" err="1"/>
+              <a:t>버베나</a:t>
+            </a:r>
+            <a:endParaRPr lang="en-US" altLang="ko-KR" dirty="0"/>
+          </a:p>
+          <a:p>
+            <a:r>
+              <a:rPr lang="ko-KR" altLang="en-US" dirty="0"/>
+              <a:t>성격 </a:t>
+            </a:r>
+            <a:r>
+              <a:rPr lang="en-US" altLang="ko-KR" dirty="0"/>
+              <a:t>: </a:t>
+            </a:r>
+            <a:r>
+              <a:rPr lang="ko-KR" altLang="en-US" dirty="0"/>
+              <a:t>호기심</a:t>
+            </a:r>
+            <a:endParaRPr lang="en-US" altLang="ko-KR" dirty="0"/>
+          </a:p>
+          <a:p>
+            <a:r>
+              <a:rPr lang="ko-KR" altLang="en-US" dirty="0"/>
+              <a:t>능력 </a:t>
+            </a:r>
+            <a:r>
+              <a:rPr lang="en-US" altLang="ko-KR" dirty="0"/>
+              <a:t>: </a:t>
+            </a:r>
+            <a:r>
+              <a:rPr lang="ko-KR" altLang="en-US" dirty="0"/>
+              <a:t>중력</a:t>
+            </a:r>
+            <a:endParaRPr lang="en-US" altLang="ko-KR" dirty="0"/>
+          </a:p>
+          <a:p>
+            <a:endParaRPr lang="ko-KR" altLang="en-US" dirty="0"/>
+          </a:p>
+        </p:txBody>
+      </p:sp>
+    </p:spTree>
+    <p:extLst>
+      <p:ext uri="{BB962C8B-B14F-4D97-AF65-F5344CB8AC3E}">
+        <p14:creationId xmlns:p14="http://schemas.microsoft.com/office/powerpoint/2010/main" val="345175471"/>
       </p:ext>
     </p:extLst>
   </p:cSld>

--- a/워크플로우 및 게임 기획서.pptx
+++ b/워크플로우 및 게임 기획서.pptx
@@ -3912,7 +3912,7 @@
             </a:r>
             <a:r>
               <a:rPr lang="ko-KR" altLang="en-US" dirty="0"/>
-              <a:t>질투</a:t>
+              <a:t>자존심</a:t>
             </a:r>
             <a:endParaRPr lang="en-US" altLang="ko-KR" dirty="0"/>
           </a:p>
@@ -4576,7 +4576,7 @@
             </a:r>
             <a:r>
               <a:rPr lang="ko-KR" altLang="en-US" dirty="0"/>
-              <a:t>눈웃음</a:t>
+              <a:t>똑똑함</a:t>
             </a:r>
             <a:endParaRPr lang="en-US" altLang="ko-KR" dirty="0"/>
           </a:p>
@@ -4929,7 +4929,7 @@
             </a:r>
             <a:r>
               <a:rPr lang="ko-KR" altLang="en-US" dirty="0"/>
-              <a:t>귀찮음</a:t>
+              <a:t>순수함</a:t>
             </a:r>
             <a:endParaRPr lang="en-US" altLang="ko-KR" dirty="0"/>
           </a:p>
